--- a/课程/1/1.pptx
+++ b/课程/1/1.pptx
@@ -675,7 +675,7 @@
           <a:p>
             <a:fld id="{530820CF-B880-4189-942D-D702A7CBA730}" type="datetimeFigureOut">
               <a:rPr lang="zh-CN" altLang="en-US" smtClean="0"/>
-              <a:t>2021/7/19</a:t>
+              <a:t>2021/7/29</a:t>
             </a:fld>
             <a:endParaRPr lang="zh-CN" altLang="en-US"/>
           </a:p>
@@ -1074,7 +1074,7 @@
           <a:p>
             <a:fld id="{530820CF-B880-4189-942D-D702A7CBA730}" type="datetimeFigureOut">
               <a:rPr lang="zh-CN" altLang="en-US" smtClean="0"/>
-              <a:t>2021/7/19</a:t>
+              <a:t>2021/7/29</a:t>
             </a:fld>
             <a:endParaRPr lang="zh-CN" altLang="en-US"/>
           </a:p>
@@ -1334,7 +1334,7 @@
           <a:p>
             <a:fld id="{530820CF-B880-4189-942D-D702A7CBA730}" type="datetimeFigureOut">
               <a:rPr lang="zh-CN" altLang="en-US" smtClean="0"/>
-              <a:t>2021/7/19</a:t>
+              <a:t>2021/7/29</a:t>
             </a:fld>
             <a:endParaRPr lang="zh-CN" altLang="en-US"/>
           </a:p>
@@ -1886,7 +1886,7 @@
           <a:p>
             <a:fld id="{530820CF-B880-4189-942D-D702A7CBA730}" type="datetimeFigureOut">
               <a:rPr lang="zh-CN" altLang="en-US" smtClean="0"/>
-              <a:t>2021/7/19</a:t>
+              <a:t>2021/7/29</a:t>
             </a:fld>
             <a:endParaRPr lang="zh-CN" altLang="en-US"/>
           </a:p>
@@ -2146,7 +2146,7 @@
           <a:p>
             <a:fld id="{530820CF-B880-4189-942D-D702A7CBA730}" type="datetimeFigureOut">
               <a:rPr lang="zh-CN" altLang="en-US" smtClean="0"/>
-              <a:t>2021/7/19</a:t>
+              <a:t>2021/7/29</a:t>
             </a:fld>
             <a:endParaRPr lang="zh-CN" altLang="en-US"/>
           </a:p>
@@ -2690,7 +2690,7 @@
           <a:p>
             <a:fld id="{530820CF-B880-4189-942D-D702A7CBA730}" type="datetimeFigureOut">
               <a:rPr lang="zh-CN" altLang="en-US" smtClean="0"/>
-              <a:t>2021/7/19</a:t>
+              <a:t>2021/7/29</a:t>
             </a:fld>
             <a:endParaRPr lang="zh-CN" altLang="en-US"/>
           </a:p>
@@ -2999,7 +2999,7 @@
           <a:p>
             <a:fld id="{530820CF-B880-4189-942D-D702A7CBA730}" type="datetimeFigureOut">
               <a:rPr lang="zh-CN" altLang="en-US" smtClean="0"/>
-              <a:t>2021/7/19</a:t>
+              <a:t>2021/7/29</a:t>
             </a:fld>
             <a:endParaRPr lang="zh-CN" altLang="en-US"/>
           </a:p>
@@ -3185,7 +3185,7 @@
           <a:p>
             <a:fld id="{530820CF-B880-4189-942D-D702A7CBA730}" type="datetimeFigureOut">
               <a:rPr lang="zh-CN" altLang="en-US" smtClean="0"/>
-              <a:t>2021/7/19</a:t>
+              <a:t>2021/7/29</a:t>
             </a:fld>
             <a:endParaRPr lang="zh-CN" altLang="en-US"/>
           </a:p>
@@ -3377,7 +3377,7 @@
           <a:p>
             <a:fld id="{530820CF-B880-4189-942D-D702A7CBA730}" type="datetimeFigureOut">
               <a:rPr lang="zh-CN" altLang="en-US" smtClean="0"/>
-              <a:t>2021/7/19</a:t>
+              <a:t>2021/7/29</a:t>
             </a:fld>
             <a:endParaRPr lang="zh-CN" altLang="en-US"/>
           </a:p>
@@ -3574,7 +3574,7 @@
           <a:p>
             <a:fld id="{530820CF-B880-4189-942D-D702A7CBA730}" type="datetimeFigureOut">
               <a:rPr lang="zh-CN" altLang="en-US" smtClean="0"/>
-              <a:t>2021/7/19</a:t>
+              <a:t>2021/7/29</a:t>
             </a:fld>
             <a:endParaRPr lang="zh-CN" altLang="en-US"/>
           </a:p>
@@ -3842,7 +3842,7 @@
           <a:p>
             <a:fld id="{530820CF-B880-4189-942D-D702A7CBA730}" type="datetimeFigureOut">
               <a:rPr lang="zh-CN" altLang="en-US" smtClean="0"/>
-              <a:t>2021/7/19</a:t>
+              <a:t>2021/7/29</a:t>
             </a:fld>
             <a:endParaRPr lang="zh-CN" altLang="en-US"/>
           </a:p>
@@ -4156,7 +4156,7 @@
           <a:p>
             <a:fld id="{530820CF-B880-4189-942D-D702A7CBA730}" type="datetimeFigureOut">
               <a:rPr lang="zh-CN" altLang="en-US" smtClean="0"/>
-              <a:t>2021/7/19</a:t>
+              <a:t>2021/7/29</a:t>
             </a:fld>
             <a:endParaRPr lang="zh-CN" altLang="en-US"/>
           </a:p>
@@ -4610,7 +4610,7 @@
           <a:p>
             <a:fld id="{530820CF-B880-4189-942D-D702A7CBA730}" type="datetimeFigureOut">
               <a:rPr lang="zh-CN" altLang="en-US" smtClean="0"/>
-              <a:t>2021/7/19</a:t>
+              <a:t>2021/7/29</a:t>
             </a:fld>
             <a:endParaRPr lang="zh-CN" altLang="en-US"/>
           </a:p>
@@ -4740,7 +4740,7 @@
           <a:p>
             <a:fld id="{530820CF-B880-4189-942D-D702A7CBA730}" type="datetimeFigureOut">
               <a:rPr lang="zh-CN" altLang="en-US" smtClean="0"/>
-              <a:t>2021/7/19</a:t>
+              <a:t>2021/7/29</a:t>
             </a:fld>
             <a:endParaRPr lang="zh-CN" altLang="en-US"/>
           </a:p>
@@ -4847,7 +4847,7 @@
           <a:p>
             <a:fld id="{530820CF-B880-4189-942D-D702A7CBA730}" type="datetimeFigureOut">
               <a:rPr lang="zh-CN" altLang="en-US" smtClean="0"/>
-              <a:t>2021/7/19</a:t>
+              <a:t>2021/7/29</a:t>
             </a:fld>
             <a:endParaRPr lang="zh-CN" altLang="en-US"/>
           </a:p>
@@ -5142,7 +5142,7 @@
           <a:p>
             <a:fld id="{530820CF-B880-4189-942D-D702A7CBA730}" type="datetimeFigureOut">
               <a:rPr lang="zh-CN" altLang="en-US" smtClean="0"/>
-              <a:t>2021/7/19</a:t>
+              <a:t>2021/7/29</a:t>
             </a:fld>
             <a:endParaRPr lang="zh-CN" altLang="en-US"/>
           </a:p>
@@ -5445,7 +5445,7 @@
           <a:p>
             <a:fld id="{530820CF-B880-4189-942D-D702A7CBA730}" type="datetimeFigureOut">
               <a:rPr lang="zh-CN" altLang="en-US" smtClean="0"/>
-              <a:t>2021/7/19</a:t>
+              <a:t>2021/7/29</a:t>
             </a:fld>
             <a:endParaRPr lang="zh-CN" altLang="en-US"/>
           </a:p>
@@ -5981,7 +5981,7 @@
           <a:p>
             <a:fld id="{530820CF-B880-4189-942D-D702A7CBA730}" type="datetimeFigureOut">
               <a:rPr lang="zh-CN" altLang="en-US" smtClean="0"/>
-              <a:t>2021/7/19</a:t>
+              <a:t>2021/7/29</a:t>
             </a:fld>
             <a:endParaRPr lang="zh-CN" altLang="en-US"/>
           </a:p>
@@ -8734,42 +8734,29 @@
               <a:rPr lang="zh-CN" altLang="en-US" sz="2800" dirty="0">
                 <a:latin typeface="+mn-ea"/>
               </a:rPr>
-              <a:t>辅导老师：   房琛琛    </a:t>
-            </a:r>
-            <a:r>
-              <a:rPr lang="en-US" altLang="zh-CN" sz="2800" dirty="0">
-                <a:latin typeface="+mn-ea"/>
-              </a:rPr>
-              <a:t>15991743240</a:t>
-            </a:r>
+              <a:t>辅导老师：  </a:t>
+            </a:r>
+            <a:endParaRPr lang="en-US" altLang="zh-CN" sz="2800" dirty="0">
+              <a:latin typeface="+mn-ea"/>
+            </a:endParaRPr>
           </a:p>
           <a:p>
             <a:r>
               <a:rPr lang="zh-CN" altLang="en-US" sz="2800" dirty="0">
                 <a:latin typeface="+mn-ea"/>
               </a:rPr>
-              <a:t>助教：           付博文    </a:t>
-            </a:r>
-            <a:r>
-              <a:rPr lang="en-US" altLang="zh-CN" sz="2800" dirty="0">
-                <a:latin typeface="+mn-ea"/>
-              </a:rPr>
-              <a:t>13519103477</a:t>
-            </a:r>
+              <a:t>助教：</a:t>
+            </a:r>
+            <a:endParaRPr lang="en-US" altLang="zh-CN" sz="2800" dirty="0">
+              <a:latin typeface="+mn-ea"/>
+            </a:endParaRPr>
           </a:p>
           <a:p>
             <a:r>
               <a:rPr lang="zh-CN" altLang="en-US" sz="2800" dirty="0">
                 <a:latin typeface="+mn-ea"/>
               </a:rPr>
-              <a:t>主讲：           郝宽宽    </a:t>
-            </a:r>
-            <a:r>
-              <a:rPr lang="en-US" altLang="zh-CN" sz="2800" dirty="0">
-                <a:latin typeface="+mn-ea"/>
-                <a:hlinkClick r:id="rId2"/>
-              </a:rPr>
-              <a:t>hkkdlut@sina.cn</a:t>
+              <a:t>主讲：           郝宽宽</a:t>
             </a:r>
             <a:endParaRPr lang="en-US" altLang="zh-CN" sz="2800" dirty="0">
               <a:latin typeface="+mn-ea"/>
